--- a/test/pptx/layouts/deleted.pptx
+++ b/test/pptx/layouts/deleted.pptx
@@ -203,7 +203,7 @@
           <a:p>
             <a:fld id="{0F9C1CCF-B725-44A7-AA57-5E433BD85C9F}" type="datetimeFigureOut">
               <a:rPr lang="en-US" smtClean="0"/>
-              <a:t>4/5/2019</a:t>
+              <a:t>1/2/22</a:t>
             </a:fld>
             <a:endParaRPr lang="en-US"/>
           </a:p>
@@ -221,8 +221,8 @@
         </p:nvSpPr>
         <p:spPr>
           <a:xfrm>
-            <a:off x="1371600" y="1143000"/>
-            <a:ext cx="4114800" cy="3086100"/>
+            <a:off x="685800" y="1143000"/>
+            <a:ext cx="5486400" cy="3086100"/>
           </a:xfrm>
           <a:prstGeom prst="rect">
             <a:avLst/>
@@ -267,38 +267,37 @@
           <a:p>
             <a:pPr lvl="0"/>
             <a:r>
-              <a:rPr lang="en-US" smtClean="0"/>
+              <a:rPr lang="en-US"/>
               <a:t>Click to edit Master text styles</a:t>
             </a:r>
           </a:p>
           <a:p>
             <a:pPr lvl="1"/>
             <a:r>
-              <a:rPr lang="en-US" smtClean="0"/>
+              <a:rPr lang="en-US"/>
               <a:t>Second level</a:t>
             </a:r>
           </a:p>
           <a:p>
             <a:pPr lvl="2"/>
             <a:r>
-              <a:rPr lang="en-US" smtClean="0"/>
+              <a:rPr lang="en-US"/>
               <a:t>Third level</a:t>
             </a:r>
           </a:p>
           <a:p>
             <a:pPr lvl="3"/>
             <a:r>
-              <a:rPr lang="en-US" smtClean="0"/>
+              <a:rPr lang="en-US"/>
               <a:t>Fourth level</a:t>
             </a:r>
           </a:p>
           <a:p>
             <a:pPr lvl="4"/>
             <a:r>
-              <a:rPr lang="en-US" smtClean="0"/>
+              <a:rPr lang="en-US"/>
               <a:t>Fifth level</a:t>
             </a:r>
-            <a:endParaRPr lang="en-US"/>
           </a:p>
         </p:txBody>
       </p:sp>
@@ -515,7 +514,7 @@
           <a:bodyPr/>
           <a:lstStyle/>
           <a:p>
-            <a:pPr lvl="0" marL="0" indent="0">
+            <a:pPr lvl="0" indent="0" marL="0">
               <a:buNone/>
             </a:pPr>
             <a:r>
@@ -839,10 +838,9 @@
           <a:lstStyle/>
           <a:p>
             <a:r>
-              <a:rPr lang="en-US" smtClean="0"/>
+              <a:rPr lang="en-US"/>
               <a:t>Click to edit Master title style</a:t>
             </a:r>
-            <a:endParaRPr lang="en-US"/>
           </a:p>
         </p:txBody>
       </p:sp>
@@ -863,38 +861,37 @@
           <a:p>
             <a:pPr lvl="0"/>
             <a:r>
-              <a:rPr lang="en-US" smtClean="0"/>
+              <a:rPr lang="en-US"/>
               <a:t>Click to edit Master text styles</a:t>
             </a:r>
           </a:p>
           <a:p>
             <a:pPr lvl="1"/>
             <a:r>
-              <a:rPr lang="en-US" smtClean="0"/>
+              <a:rPr lang="en-US"/>
               <a:t>Second level</a:t>
             </a:r>
           </a:p>
           <a:p>
             <a:pPr lvl="2"/>
             <a:r>
-              <a:rPr lang="en-US" smtClean="0"/>
+              <a:rPr lang="en-US"/>
               <a:t>Third level</a:t>
             </a:r>
           </a:p>
           <a:p>
             <a:pPr lvl="3"/>
             <a:r>
-              <a:rPr lang="en-US" smtClean="0"/>
+              <a:rPr lang="en-US"/>
               <a:t>Fourth level</a:t>
             </a:r>
           </a:p>
           <a:p>
             <a:pPr lvl="4"/>
             <a:r>
-              <a:rPr lang="en-US" smtClean="0"/>
+              <a:rPr lang="en-US"/>
               <a:t>Fifth level</a:t>
             </a:r>
-            <a:endParaRPr lang="en-US"/>
           </a:p>
         </p:txBody>
       </p:sp>
@@ -915,7 +912,7 @@
           <a:p>
             <a:fld id="{241EB5C9-1307-BA42-ABA2-0BC069CD8E7F}" type="datetimeFigureOut">
               <a:rPr lang="en-US" smtClean="0"/>
-              <a:t>4/5/2019</a:t>
+              <a:t>1/2/22</a:t>
             </a:fld>
             <a:endParaRPr lang="en-US"/>
           </a:p>
@@ -1005,8 +1002,8 @@
         </p:nvSpPr>
         <p:spPr>
           <a:xfrm>
-            <a:off x="6629400" y="274638"/>
-            <a:ext cx="2057400" cy="5851525"/>
+            <a:off x="6629400" y="205979"/>
+            <a:ext cx="2057400" cy="4388644"/>
           </a:xfrm>
         </p:spPr>
         <p:txBody>
@@ -1014,10 +1011,9 @@
           <a:lstStyle/>
           <a:p>
             <a:r>
-              <a:rPr lang="en-US" smtClean="0"/>
+              <a:rPr lang="en-US"/>
               <a:t>Click to edit Master title style</a:t>
             </a:r>
-            <a:endParaRPr lang="en-US"/>
           </a:p>
         </p:txBody>
       </p:sp>
@@ -1033,8 +1029,8 @@
         </p:nvSpPr>
         <p:spPr>
           <a:xfrm>
-            <a:off x="457200" y="274638"/>
-            <a:ext cx="6019800" cy="5851525"/>
+            <a:off x="457200" y="205979"/>
+            <a:ext cx="6019800" cy="4388644"/>
           </a:xfrm>
         </p:spPr>
         <p:txBody>
@@ -1043,38 +1039,37 @@
           <a:p>
             <a:pPr lvl="0"/>
             <a:r>
-              <a:rPr lang="en-US" smtClean="0"/>
+              <a:rPr lang="en-US"/>
               <a:t>Click to edit Master text styles</a:t>
             </a:r>
           </a:p>
           <a:p>
             <a:pPr lvl="1"/>
             <a:r>
-              <a:rPr lang="en-US" smtClean="0"/>
+              <a:rPr lang="en-US"/>
               <a:t>Second level</a:t>
             </a:r>
           </a:p>
           <a:p>
             <a:pPr lvl="2"/>
             <a:r>
-              <a:rPr lang="en-US" smtClean="0"/>
+              <a:rPr lang="en-US"/>
               <a:t>Third level</a:t>
             </a:r>
           </a:p>
           <a:p>
             <a:pPr lvl="3"/>
             <a:r>
-              <a:rPr lang="en-US" smtClean="0"/>
+              <a:rPr lang="en-US"/>
               <a:t>Fourth level</a:t>
             </a:r>
           </a:p>
           <a:p>
             <a:pPr lvl="4"/>
             <a:r>
-              <a:rPr lang="en-US" smtClean="0"/>
+              <a:rPr lang="en-US"/>
               <a:t>Fifth level</a:t>
             </a:r>
-            <a:endParaRPr lang="en-US"/>
           </a:p>
         </p:txBody>
       </p:sp>
@@ -1095,7 +1090,7 @@
           <a:p>
             <a:fld id="{241EB5C9-1307-BA42-ABA2-0BC069CD8E7F}" type="datetimeFigureOut">
               <a:rPr lang="en-US" smtClean="0"/>
-              <a:t>4/5/2019</a:t>
+              <a:t>1/2/22</a:t>
             </a:fld>
             <a:endParaRPr lang="en-US"/>
           </a:p>
@@ -1189,10 +1184,9 @@
           <a:lstStyle/>
           <a:p>
             <a:r>
-              <a:rPr lang="en-US" smtClean="0"/>
+              <a:rPr lang="en-US"/>
               <a:t>Click to edit Master title style</a:t>
             </a:r>
-            <a:endParaRPr lang="en-US"/>
           </a:p>
         </p:txBody>
       </p:sp>
@@ -1213,38 +1207,37 @@
           <a:p>
             <a:pPr lvl="0"/>
             <a:r>
-              <a:rPr lang="en-US" smtClean="0"/>
+              <a:rPr lang="en-US"/>
               <a:t>Click to edit Master text styles</a:t>
             </a:r>
           </a:p>
           <a:p>
             <a:pPr lvl="1"/>
             <a:r>
-              <a:rPr lang="en-US" smtClean="0"/>
+              <a:rPr lang="en-US"/>
               <a:t>Second level</a:t>
             </a:r>
           </a:p>
           <a:p>
             <a:pPr lvl="2"/>
             <a:r>
-              <a:rPr lang="en-US" smtClean="0"/>
+              <a:rPr lang="en-US"/>
               <a:t>Third level</a:t>
             </a:r>
           </a:p>
           <a:p>
             <a:pPr lvl="3"/>
             <a:r>
-              <a:rPr lang="en-US" smtClean="0"/>
+              <a:rPr lang="en-US"/>
               <a:t>Fourth level</a:t>
             </a:r>
           </a:p>
           <a:p>
             <a:pPr lvl="4"/>
             <a:r>
-              <a:rPr lang="en-US" smtClean="0"/>
+              <a:rPr lang="en-US"/>
               <a:t>Fifth level</a:t>
             </a:r>
-            <a:endParaRPr lang="en-US"/>
           </a:p>
         </p:txBody>
       </p:sp>
@@ -1265,7 +1258,7 @@
           <a:p>
             <a:fld id="{241EB5C9-1307-BA42-ABA2-0BC069CD8E7F}" type="datetimeFigureOut">
               <a:rPr lang="en-US" smtClean="0"/>
-              <a:t>4/5/2019</a:t>
+              <a:t>1/2/22</a:t>
             </a:fld>
             <a:endParaRPr lang="en-US"/>
           </a:p>
@@ -1355,23 +1348,22 @@
         </p:nvSpPr>
         <p:spPr>
           <a:xfrm>
-            <a:off x="722313" y="4406900"/>
-            <a:ext cx="7772400" cy="1362075"/>
+            <a:off x="722313" y="3305176"/>
+            <a:ext cx="7772400" cy="1021556"/>
           </a:xfrm>
         </p:spPr>
         <p:txBody>
           <a:bodyPr anchor="t"/>
           <a:lstStyle>
             <a:lvl1pPr algn="l">
-              <a:defRPr sz="4000" b="1" cap="all"/>
+              <a:defRPr sz="3000" b="1" cap="all"/>
             </a:lvl1pPr>
           </a:lstStyle>
           <a:p>
             <a:r>
-              <a:rPr lang="en-US" smtClean="0"/>
+              <a:rPr lang="en-US"/>
               <a:t>Click to edit Master title style</a:t>
             </a:r>
-            <a:endParaRPr lang="en-US"/>
           </a:p>
         </p:txBody>
       </p:sp>
@@ -1387,8 +1379,8 @@
         </p:nvSpPr>
         <p:spPr>
           <a:xfrm>
-            <a:off x="722313" y="2906713"/>
-            <a:ext cx="7772400" cy="1500187"/>
+            <a:off x="722313" y="2180035"/>
+            <a:ext cx="7772400" cy="1125140"/>
           </a:xfrm>
         </p:spPr>
         <p:txBody>
@@ -1396,7 +1388,7 @@
           <a:lstStyle>
             <a:lvl1pPr marL="0" indent="0">
               <a:buNone/>
-              <a:defRPr sz="2000">
+              <a:defRPr sz="1500">
                 <a:solidFill>
                   <a:schemeClr val="tx1">
                     <a:tint val="75000"/>
@@ -1404,9 +1396,9 @@
                 </a:solidFill>
               </a:defRPr>
             </a:lvl1pPr>
-            <a:lvl2pPr marL="457200" indent="0">
-              <a:buNone/>
-              <a:defRPr sz="1800">
+            <a:lvl2pPr marL="342900" indent="0">
+              <a:buNone/>
+              <a:defRPr sz="1350">
                 <a:solidFill>
                   <a:schemeClr val="tx1">
                     <a:tint val="75000"/>
@@ -1414,9 +1406,9 @@
                 </a:solidFill>
               </a:defRPr>
             </a:lvl2pPr>
-            <a:lvl3pPr marL="914400" indent="0">
-              <a:buNone/>
-              <a:defRPr sz="1600">
+            <a:lvl3pPr marL="685800" indent="0">
+              <a:buNone/>
+              <a:defRPr sz="1200">
                 <a:solidFill>
                   <a:schemeClr val="tx1">
                     <a:tint val="75000"/>
@@ -1424,9 +1416,9 @@
                 </a:solidFill>
               </a:defRPr>
             </a:lvl3pPr>
-            <a:lvl4pPr marL="1371600" indent="0">
-              <a:buNone/>
-              <a:defRPr sz="1400">
+            <a:lvl4pPr marL="1028700" indent="0">
+              <a:buNone/>
+              <a:defRPr sz="1050">
                 <a:solidFill>
                   <a:schemeClr val="tx1">
                     <a:tint val="75000"/>
@@ -1434,9 +1426,9 @@
                 </a:solidFill>
               </a:defRPr>
             </a:lvl4pPr>
-            <a:lvl5pPr marL="1828800" indent="0">
-              <a:buNone/>
-              <a:defRPr sz="1400">
+            <a:lvl5pPr marL="1371600" indent="0">
+              <a:buNone/>
+              <a:defRPr sz="1050">
                 <a:solidFill>
                   <a:schemeClr val="tx1">
                     <a:tint val="75000"/>
@@ -1444,9 +1436,9 @@
                 </a:solidFill>
               </a:defRPr>
             </a:lvl5pPr>
-            <a:lvl6pPr marL="2286000" indent="0">
-              <a:buNone/>
-              <a:defRPr sz="1400">
+            <a:lvl6pPr marL="1714500" indent="0">
+              <a:buNone/>
+              <a:defRPr sz="1050">
                 <a:solidFill>
                   <a:schemeClr val="tx1">
                     <a:tint val="75000"/>
@@ -1454,9 +1446,9 @@
                 </a:solidFill>
               </a:defRPr>
             </a:lvl6pPr>
-            <a:lvl7pPr marL="2743200" indent="0">
-              <a:buNone/>
-              <a:defRPr sz="1400">
+            <a:lvl7pPr marL="2057400" indent="0">
+              <a:buNone/>
+              <a:defRPr sz="1050">
                 <a:solidFill>
                   <a:schemeClr val="tx1">
                     <a:tint val="75000"/>
@@ -1464,9 +1456,9 @@
                 </a:solidFill>
               </a:defRPr>
             </a:lvl7pPr>
-            <a:lvl8pPr marL="3200400" indent="0">
-              <a:buNone/>
-              <a:defRPr sz="1400">
+            <a:lvl8pPr marL="2400300" indent="0">
+              <a:buNone/>
+              <a:defRPr sz="1050">
                 <a:solidFill>
                   <a:schemeClr val="tx1">
                     <a:tint val="75000"/>
@@ -1474,9 +1466,9 @@
                 </a:solidFill>
               </a:defRPr>
             </a:lvl8pPr>
-            <a:lvl9pPr marL="3657600" indent="0">
-              <a:buNone/>
-              <a:defRPr sz="1400">
+            <a:lvl9pPr marL="2743200" indent="0">
+              <a:buNone/>
+              <a:defRPr sz="1050">
                 <a:solidFill>
                   <a:schemeClr val="tx1">
                     <a:tint val="75000"/>
@@ -1488,7 +1480,7 @@
           <a:p>
             <a:pPr lvl="0"/>
             <a:r>
-              <a:rPr lang="en-US" smtClean="0"/>
+              <a:rPr lang="en-US"/>
               <a:t>Click to edit Master text styles</a:t>
             </a:r>
           </a:p>
@@ -1511,7 +1503,7 @@
           <a:p>
             <a:fld id="{241EB5C9-1307-BA42-ABA2-0BC069CD8E7F}" type="datetimeFigureOut">
               <a:rPr lang="en-US" smtClean="0"/>
-              <a:t>4/5/2019</a:t>
+              <a:t>1/2/22</a:t>
             </a:fld>
             <a:endParaRPr lang="en-US"/>
           </a:p>
@@ -1605,10 +1597,9 @@
           <a:lstStyle/>
           <a:p>
             <a:r>
-              <a:rPr lang="en-US" smtClean="0"/>
+              <a:rPr lang="en-US"/>
               <a:t>Click to edit Master title style</a:t>
             </a:r>
-            <a:endParaRPr lang="en-US"/>
           </a:p>
         </p:txBody>
       </p:sp>
@@ -1624,76 +1615,75 @@
         </p:nvSpPr>
         <p:spPr>
           <a:xfrm>
-            <a:off x="457200" y="1600200"/>
-            <a:ext cx="4038600" cy="4525963"/>
+            <a:off x="457200" y="1200151"/>
+            <a:ext cx="4038600" cy="3394472"/>
           </a:xfrm>
         </p:spPr>
         <p:txBody>
           <a:bodyPr/>
           <a:lstStyle>
             <a:lvl1pPr>
-              <a:defRPr sz="2800"/>
+              <a:defRPr sz="2100"/>
             </a:lvl1pPr>
             <a:lvl2pPr>
-              <a:defRPr sz="2400"/>
+              <a:defRPr sz="1800"/>
             </a:lvl2pPr>
             <a:lvl3pPr>
-              <a:defRPr sz="2000"/>
+              <a:defRPr sz="1500"/>
             </a:lvl3pPr>
             <a:lvl4pPr>
-              <a:defRPr sz="1800"/>
+              <a:defRPr sz="1350"/>
             </a:lvl4pPr>
             <a:lvl5pPr>
-              <a:defRPr sz="1800"/>
+              <a:defRPr sz="1350"/>
             </a:lvl5pPr>
             <a:lvl6pPr>
-              <a:defRPr sz="1800"/>
+              <a:defRPr sz="1350"/>
             </a:lvl6pPr>
             <a:lvl7pPr>
-              <a:defRPr sz="1800"/>
+              <a:defRPr sz="1350"/>
             </a:lvl7pPr>
             <a:lvl8pPr>
-              <a:defRPr sz="1800"/>
+              <a:defRPr sz="1350"/>
             </a:lvl8pPr>
             <a:lvl9pPr>
-              <a:defRPr sz="1800"/>
+              <a:defRPr sz="1350"/>
             </a:lvl9pPr>
           </a:lstStyle>
           <a:p>
             <a:pPr lvl="0"/>
             <a:r>
-              <a:rPr lang="en-US" smtClean="0"/>
+              <a:rPr lang="en-US"/>
               <a:t>Click to edit Master text styles</a:t>
             </a:r>
           </a:p>
           <a:p>
             <a:pPr lvl="1"/>
             <a:r>
-              <a:rPr lang="en-US" smtClean="0"/>
+              <a:rPr lang="en-US"/>
               <a:t>Second level</a:t>
             </a:r>
           </a:p>
           <a:p>
             <a:pPr lvl="2"/>
             <a:r>
-              <a:rPr lang="en-US" smtClean="0"/>
+              <a:rPr lang="en-US"/>
               <a:t>Third level</a:t>
             </a:r>
           </a:p>
           <a:p>
             <a:pPr lvl="3"/>
             <a:r>
-              <a:rPr lang="en-US" smtClean="0"/>
+              <a:rPr lang="en-US"/>
               <a:t>Fourth level</a:t>
             </a:r>
           </a:p>
           <a:p>
             <a:pPr lvl="4"/>
             <a:r>
-              <a:rPr lang="en-US" smtClean="0"/>
+              <a:rPr lang="en-US"/>
               <a:t>Fifth level</a:t>
             </a:r>
-            <a:endParaRPr lang="en-US"/>
           </a:p>
         </p:txBody>
       </p:sp>
@@ -1709,76 +1699,75 @@
         </p:nvSpPr>
         <p:spPr>
           <a:xfrm>
-            <a:off x="4648200" y="1600200"/>
-            <a:ext cx="4038600" cy="4525963"/>
+            <a:off x="4648200" y="1200151"/>
+            <a:ext cx="4038600" cy="3394472"/>
           </a:xfrm>
         </p:spPr>
         <p:txBody>
           <a:bodyPr/>
           <a:lstStyle>
             <a:lvl1pPr>
-              <a:defRPr sz="2800"/>
+              <a:defRPr sz="2100"/>
             </a:lvl1pPr>
             <a:lvl2pPr>
-              <a:defRPr sz="2400"/>
+              <a:defRPr sz="1800"/>
             </a:lvl2pPr>
             <a:lvl3pPr>
-              <a:defRPr sz="2000"/>
+              <a:defRPr sz="1500"/>
             </a:lvl3pPr>
             <a:lvl4pPr>
-              <a:defRPr sz="1800"/>
+              <a:defRPr sz="1350"/>
             </a:lvl4pPr>
             <a:lvl5pPr>
-              <a:defRPr sz="1800"/>
+              <a:defRPr sz="1350"/>
             </a:lvl5pPr>
             <a:lvl6pPr>
-              <a:defRPr sz="1800"/>
+              <a:defRPr sz="1350"/>
             </a:lvl6pPr>
             <a:lvl7pPr>
-              <a:defRPr sz="1800"/>
+              <a:defRPr sz="1350"/>
             </a:lvl7pPr>
             <a:lvl8pPr>
-              <a:defRPr sz="1800"/>
+              <a:defRPr sz="1350"/>
             </a:lvl8pPr>
             <a:lvl9pPr>
-              <a:defRPr sz="1800"/>
+              <a:defRPr sz="1350"/>
             </a:lvl9pPr>
           </a:lstStyle>
           <a:p>
             <a:pPr lvl="0"/>
             <a:r>
-              <a:rPr lang="en-US" smtClean="0"/>
+              <a:rPr lang="en-US"/>
               <a:t>Click to edit Master text styles</a:t>
             </a:r>
           </a:p>
           <a:p>
             <a:pPr lvl="1"/>
             <a:r>
-              <a:rPr lang="en-US" smtClean="0"/>
+              <a:rPr lang="en-US"/>
               <a:t>Second level</a:t>
             </a:r>
           </a:p>
           <a:p>
             <a:pPr lvl="2"/>
             <a:r>
-              <a:rPr lang="en-US" smtClean="0"/>
+              <a:rPr lang="en-US"/>
               <a:t>Third level</a:t>
             </a:r>
           </a:p>
           <a:p>
             <a:pPr lvl="3"/>
             <a:r>
-              <a:rPr lang="en-US" smtClean="0"/>
+              <a:rPr lang="en-US"/>
               <a:t>Fourth level</a:t>
             </a:r>
           </a:p>
           <a:p>
             <a:pPr lvl="4"/>
             <a:r>
-              <a:rPr lang="en-US" smtClean="0"/>
+              <a:rPr lang="en-US"/>
               <a:t>Fifth level</a:t>
             </a:r>
-            <a:endParaRPr lang="en-US"/>
           </a:p>
         </p:txBody>
       </p:sp>
@@ -1799,7 +1788,7 @@
           <a:p>
             <a:fld id="{241EB5C9-1307-BA42-ABA2-0BC069CD8E7F}" type="datetimeFigureOut">
               <a:rPr lang="en-US" smtClean="0"/>
-              <a:t>4/5/2019</a:t>
+              <a:t>1/2/22</a:t>
             </a:fld>
             <a:endParaRPr lang="en-US"/>
           </a:p>
@@ -1897,10 +1886,9 @@
           </a:lstStyle>
           <a:p>
             <a:r>
-              <a:rPr lang="en-US" smtClean="0"/>
+              <a:rPr lang="en-US"/>
               <a:t>Click to edit Master title style</a:t>
             </a:r>
-            <a:endParaRPr lang="en-US"/>
           </a:p>
         </p:txBody>
       </p:sp>
@@ -1916,8 +1904,8 @@
         </p:nvSpPr>
         <p:spPr>
           <a:xfrm>
-            <a:off x="457200" y="1535113"/>
-            <a:ext cx="4040188" cy="639762"/>
+            <a:off x="457200" y="1151335"/>
+            <a:ext cx="4040188" cy="479822"/>
           </a:xfrm>
         </p:spPr>
         <p:txBody>
@@ -1925,45 +1913,45 @@
           <a:lstStyle>
             <a:lvl1pPr marL="0" indent="0">
               <a:buNone/>
-              <a:defRPr sz="2400" b="1"/>
+              <a:defRPr sz="1800" b="1"/>
             </a:lvl1pPr>
-            <a:lvl2pPr marL="457200" indent="0">
-              <a:buNone/>
-              <a:defRPr sz="2000" b="1"/>
+            <a:lvl2pPr marL="342900" indent="0">
+              <a:buNone/>
+              <a:defRPr sz="1500" b="1"/>
             </a:lvl2pPr>
-            <a:lvl3pPr marL="914400" indent="0">
-              <a:buNone/>
-              <a:defRPr sz="1800" b="1"/>
+            <a:lvl3pPr marL="685800" indent="0">
+              <a:buNone/>
+              <a:defRPr sz="1350" b="1"/>
             </a:lvl3pPr>
-            <a:lvl4pPr marL="1371600" indent="0">
-              <a:buNone/>
-              <a:defRPr sz="1600" b="1"/>
+            <a:lvl4pPr marL="1028700" indent="0">
+              <a:buNone/>
+              <a:defRPr sz="1200" b="1"/>
             </a:lvl4pPr>
-            <a:lvl5pPr marL="1828800" indent="0">
-              <a:buNone/>
-              <a:defRPr sz="1600" b="1"/>
+            <a:lvl5pPr marL="1371600" indent="0">
+              <a:buNone/>
+              <a:defRPr sz="1200" b="1"/>
             </a:lvl5pPr>
-            <a:lvl6pPr marL="2286000" indent="0">
-              <a:buNone/>
-              <a:defRPr sz="1600" b="1"/>
+            <a:lvl6pPr marL="1714500" indent="0">
+              <a:buNone/>
+              <a:defRPr sz="1200" b="1"/>
             </a:lvl6pPr>
-            <a:lvl7pPr marL="2743200" indent="0">
-              <a:buNone/>
-              <a:defRPr sz="1600" b="1"/>
+            <a:lvl7pPr marL="2057400" indent="0">
+              <a:buNone/>
+              <a:defRPr sz="1200" b="1"/>
             </a:lvl7pPr>
-            <a:lvl8pPr marL="3200400" indent="0">
-              <a:buNone/>
-              <a:defRPr sz="1600" b="1"/>
+            <a:lvl8pPr marL="2400300" indent="0">
+              <a:buNone/>
+              <a:defRPr sz="1200" b="1"/>
             </a:lvl8pPr>
-            <a:lvl9pPr marL="3657600" indent="0">
-              <a:buNone/>
-              <a:defRPr sz="1600" b="1"/>
+            <a:lvl9pPr marL="2743200" indent="0">
+              <a:buNone/>
+              <a:defRPr sz="1200" b="1"/>
             </a:lvl9pPr>
           </a:lstStyle>
           <a:p>
             <a:pPr lvl="0"/>
             <a:r>
-              <a:rPr lang="en-US" smtClean="0"/>
+              <a:rPr lang="en-US"/>
               <a:t>Click to edit Master text styles</a:t>
             </a:r>
           </a:p>
@@ -1981,76 +1969,75 @@
         </p:nvSpPr>
         <p:spPr>
           <a:xfrm>
-            <a:off x="457200" y="2174875"/>
-            <a:ext cx="4040188" cy="3951288"/>
+            <a:off x="457200" y="1631156"/>
+            <a:ext cx="4040188" cy="2963466"/>
           </a:xfrm>
         </p:spPr>
         <p:txBody>
           <a:bodyPr/>
           <a:lstStyle>
             <a:lvl1pPr>
-              <a:defRPr sz="2400"/>
+              <a:defRPr sz="1800"/>
             </a:lvl1pPr>
             <a:lvl2pPr>
-              <a:defRPr sz="2000"/>
+              <a:defRPr sz="1500"/>
             </a:lvl2pPr>
             <a:lvl3pPr>
-              <a:defRPr sz="1800"/>
+              <a:defRPr sz="1350"/>
             </a:lvl3pPr>
             <a:lvl4pPr>
-              <a:defRPr sz="1600"/>
+              <a:defRPr sz="1200"/>
             </a:lvl4pPr>
             <a:lvl5pPr>
-              <a:defRPr sz="1600"/>
+              <a:defRPr sz="1200"/>
             </a:lvl5pPr>
             <a:lvl6pPr>
-              <a:defRPr sz="1600"/>
+              <a:defRPr sz="1200"/>
             </a:lvl6pPr>
             <a:lvl7pPr>
-              <a:defRPr sz="1600"/>
+              <a:defRPr sz="1200"/>
             </a:lvl7pPr>
             <a:lvl8pPr>
-              <a:defRPr sz="1600"/>
+              <a:defRPr sz="1200"/>
             </a:lvl8pPr>
             <a:lvl9pPr>
-              <a:defRPr sz="1600"/>
+              <a:defRPr sz="1200"/>
             </a:lvl9pPr>
           </a:lstStyle>
           <a:p>
             <a:pPr lvl="0"/>
             <a:r>
-              <a:rPr lang="en-US" smtClean="0"/>
+              <a:rPr lang="en-US"/>
               <a:t>Click to edit Master text styles</a:t>
             </a:r>
           </a:p>
           <a:p>
             <a:pPr lvl="1"/>
             <a:r>
-              <a:rPr lang="en-US" smtClean="0"/>
+              <a:rPr lang="en-US"/>
               <a:t>Second level</a:t>
             </a:r>
           </a:p>
           <a:p>
             <a:pPr lvl="2"/>
             <a:r>
-              <a:rPr lang="en-US" smtClean="0"/>
+              <a:rPr lang="en-US"/>
               <a:t>Third level</a:t>
             </a:r>
           </a:p>
           <a:p>
             <a:pPr lvl="3"/>
             <a:r>
-              <a:rPr lang="en-US" smtClean="0"/>
+              <a:rPr lang="en-US"/>
               <a:t>Fourth level</a:t>
             </a:r>
           </a:p>
           <a:p>
             <a:pPr lvl="4"/>
             <a:r>
-              <a:rPr lang="en-US" smtClean="0"/>
+              <a:rPr lang="en-US"/>
               <a:t>Fifth level</a:t>
             </a:r>
-            <a:endParaRPr lang="en-US"/>
           </a:p>
         </p:txBody>
       </p:sp>
@@ -2066,8 +2053,8 @@
         </p:nvSpPr>
         <p:spPr>
           <a:xfrm>
-            <a:off x="4645025" y="1535113"/>
-            <a:ext cx="4041775" cy="639762"/>
+            <a:off x="4645026" y="1151335"/>
+            <a:ext cx="4041775" cy="479822"/>
           </a:xfrm>
         </p:spPr>
         <p:txBody>
@@ -2075,45 +2062,45 @@
           <a:lstStyle>
             <a:lvl1pPr marL="0" indent="0">
               <a:buNone/>
-              <a:defRPr sz="2400" b="1"/>
+              <a:defRPr sz="1800" b="1"/>
             </a:lvl1pPr>
-            <a:lvl2pPr marL="457200" indent="0">
-              <a:buNone/>
-              <a:defRPr sz="2000" b="1"/>
+            <a:lvl2pPr marL="342900" indent="0">
+              <a:buNone/>
+              <a:defRPr sz="1500" b="1"/>
             </a:lvl2pPr>
-            <a:lvl3pPr marL="914400" indent="0">
-              <a:buNone/>
-              <a:defRPr sz="1800" b="1"/>
+            <a:lvl3pPr marL="685800" indent="0">
+              <a:buNone/>
+              <a:defRPr sz="1350" b="1"/>
             </a:lvl3pPr>
-            <a:lvl4pPr marL="1371600" indent="0">
-              <a:buNone/>
-              <a:defRPr sz="1600" b="1"/>
+            <a:lvl4pPr marL="1028700" indent="0">
+              <a:buNone/>
+              <a:defRPr sz="1200" b="1"/>
             </a:lvl4pPr>
-            <a:lvl5pPr marL="1828800" indent="0">
-              <a:buNone/>
-              <a:defRPr sz="1600" b="1"/>
+            <a:lvl5pPr marL="1371600" indent="0">
+              <a:buNone/>
+              <a:defRPr sz="1200" b="1"/>
             </a:lvl5pPr>
-            <a:lvl6pPr marL="2286000" indent="0">
-              <a:buNone/>
-              <a:defRPr sz="1600" b="1"/>
+            <a:lvl6pPr marL="1714500" indent="0">
+              <a:buNone/>
+              <a:defRPr sz="1200" b="1"/>
             </a:lvl6pPr>
-            <a:lvl7pPr marL="2743200" indent="0">
-              <a:buNone/>
-              <a:defRPr sz="1600" b="1"/>
+            <a:lvl7pPr marL="2057400" indent="0">
+              <a:buNone/>
+              <a:defRPr sz="1200" b="1"/>
             </a:lvl7pPr>
-            <a:lvl8pPr marL="3200400" indent="0">
-              <a:buNone/>
-              <a:defRPr sz="1600" b="1"/>
+            <a:lvl8pPr marL="2400300" indent="0">
+              <a:buNone/>
+              <a:defRPr sz="1200" b="1"/>
             </a:lvl8pPr>
-            <a:lvl9pPr marL="3657600" indent="0">
-              <a:buNone/>
-              <a:defRPr sz="1600" b="1"/>
+            <a:lvl9pPr marL="2743200" indent="0">
+              <a:buNone/>
+              <a:defRPr sz="1200" b="1"/>
             </a:lvl9pPr>
           </a:lstStyle>
           <a:p>
             <a:pPr lvl="0"/>
             <a:r>
-              <a:rPr lang="en-US" smtClean="0"/>
+              <a:rPr lang="en-US"/>
               <a:t>Click to edit Master text styles</a:t>
             </a:r>
           </a:p>
@@ -2131,76 +2118,75 @@
         </p:nvSpPr>
         <p:spPr>
           <a:xfrm>
-            <a:off x="4645025" y="2174875"/>
-            <a:ext cx="4041775" cy="3951288"/>
+            <a:off x="4645026" y="1631156"/>
+            <a:ext cx="4041775" cy="2963466"/>
           </a:xfrm>
         </p:spPr>
         <p:txBody>
           <a:bodyPr/>
           <a:lstStyle>
             <a:lvl1pPr>
-              <a:defRPr sz="2400"/>
+              <a:defRPr sz="1800"/>
             </a:lvl1pPr>
             <a:lvl2pPr>
-              <a:defRPr sz="2000"/>
+              <a:defRPr sz="1500"/>
             </a:lvl2pPr>
             <a:lvl3pPr>
-              <a:defRPr sz="1800"/>
+              <a:defRPr sz="1350"/>
             </a:lvl3pPr>
             <a:lvl4pPr>
-              <a:defRPr sz="1600"/>
+              <a:defRPr sz="1200"/>
             </a:lvl4pPr>
             <a:lvl5pPr>
-              <a:defRPr sz="1600"/>
+              <a:defRPr sz="1200"/>
             </a:lvl5pPr>
             <a:lvl6pPr>
-              <a:defRPr sz="1600"/>
+              <a:defRPr sz="1200"/>
             </a:lvl6pPr>
             <a:lvl7pPr>
-              <a:defRPr sz="1600"/>
+              <a:defRPr sz="1200"/>
             </a:lvl7pPr>
             <a:lvl8pPr>
-              <a:defRPr sz="1600"/>
+              <a:defRPr sz="1200"/>
             </a:lvl8pPr>
             <a:lvl9pPr>
-              <a:defRPr sz="1600"/>
+              <a:defRPr sz="1200"/>
             </a:lvl9pPr>
           </a:lstStyle>
           <a:p>
             <a:pPr lvl="0"/>
             <a:r>
-              <a:rPr lang="en-US" smtClean="0"/>
+              <a:rPr lang="en-US"/>
               <a:t>Click to edit Master text styles</a:t>
             </a:r>
           </a:p>
           <a:p>
             <a:pPr lvl="1"/>
             <a:r>
-              <a:rPr lang="en-US" smtClean="0"/>
+              <a:rPr lang="en-US"/>
               <a:t>Second level</a:t>
             </a:r>
           </a:p>
           <a:p>
             <a:pPr lvl="2"/>
             <a:r>
-              <a:rPr lang="en-US" smtClean="0"/>
+              <a:rPr lang="en-US"/>
               <a:t>Third level</a:t>
             </a:r>
           </a:p>
           <a:p>
             <a:pPr lvl="3"/>
             <a:r>
-              <a:rPr lang="en-US" smtClean="0"/>
+              <a:rPr lang="en-US"/>
               <a:t>Fourth level</a:t>
             </a:r>
           </a:p>
           <a:p>
             <a:pPr lvl="4"/>
             <a:r>
-              <a:rPr lang="en-US" smtClean="0"/>
+              <a:rPr lang="en-US"/>
               <a:t>Fifth level</a:t>
             </a:r>
-            <a:endParaRPr lang="en-US"/>
           </a:p>
         </p:txBody>
       </p:sp>
@@ -2221,7 +2207,7 @@
           <a:p>
             <a:fld id="{241EB5C9-1307-BA42-ABA2-0BC069CD8E7F}" type="datetimeFigureOut">
               <a:rPr lang="en-US" smtClean="0"/>
-              <a:t>4/5/2019</a:t>
+              <a:t>1/2/22</a:t>
             </a:fld>
             <a:endParaRPr lang="en-US"/>
           </a:p>
@@ -2315,10 +2301,9 @@
           <a:lstStyle/>
           <a:p>
             <a:r>
-              <a:rPr lang="en-US" smtClean="0"/>
+              <a:rPr lang="en-US"/>
               <a:t>Click to edit Master title style</a:t>
             </a:r>
-            <a:endParaRPr lang="en-US"/>
           </a:p>
         </p:txBody>
       </p:sp>
@@ -2339,7 +2324,7 @@
           <a:p>
             <a:fld id="{241EB5C9-1307-BA42-ABA2-0BC069CD8E7F}" type="datetimeFigureOut">
               <a:rPr lang="en-US" smtClean="0"/>
-              <a:t>4/5/2019</a:t>
+              <a:t>1/2/22</a:t>
             </a:fld>
             <a:endParaRPr lang="en-US"/>
           </a:p>
@@ -2434,7 +2419,7 @@
           <a:p>
             <a:fld id="{241EB5C9-1307-BA42-ABA2-0BC069CD8E7F}" type="datetimeFigureOut">
               <a:rPr lang="en-US" smtClean="0"/>
-              <a:t>4/5/2019</a:t>
+              <a:t>1/2/22</a:t>
             </a:fld>
             <a:endParaRPr lang="en-US"/>
           </a:p>
@@ -2524,23 +2509,22 @@
         </p:nvSpPr>
         <p:spPr>
           <a:xfrm>
-            <a:off x="457200" y="273050"/>
-            <a:ext cx="3008313" cy="1162050"/>
+            <a:off x="457201" y="204787"/>
+            <a:ext cx="3008313" cy="871538"/>
           </a:xfrm>
         </p:spPr>
         <p:txBody>
           <a:bodyPr anchor="b"/>
           <a:lstStyle>
             <a:lvl1pPr algn="l">
-              <a:defRPr sz="2000" b="1"/>
+              <a:defRPr sz="1500" b="1"/>
             </a:lvl1pPr>
           </a:lstStyle>
           <a:p>
             <a:r>
-              <a:rPr lang="en-US" smtClean="0"/>
+              <a:rPr lang="en-US"/>
               <a:t>Click to edit Master title style</a:t>
             </a:r>
-            <a:endParaRPr lang="en-US"/>
           </a:p>
         </p:txBody>
       </p:sp>
@@ -2556,76 +2540,75 @@
         </p:nvSpPr>
         <p:spPr>
           <a:xfrm>
-            <a:off x="3575050" y="273050"/>
-            <a:ext cx="5111750" cy="5853113"/>
+            <a:off x="3575050" y="204788"/>
+            <a:ext cx="5111750" cy="4389835"/>
           </a:xfrm>
         </p:spPr>
         <p:txBody>
           <a:bodyPr/>
           <a:lstStyle>
             <a:lvl1pPr>
-              <a:defRPr sz="3200"/>
+              <a:defRPr sz="2400"/>
             </a:lvl1pPr>
             <a:lvl2pPr>
-              <a:defRPr sz="2800"/>
+              <a:defRPr sz="2100"/>
             </a:lvl2pPr>
             <a:lvl3pPr>
-              <a:defRPr sz="2400"/>
+              <a:defRPr sz="1800"/>
             </a:lvl3pPr>
             <a:lvl4pPr>
-              <a:defRPr sz="2000"/>
+              <a:defRPr sz="1500"/>
             </a:lvl4pPr>
             <a:lvl5pPr>
-              <a:defRPr sz="2000"/>
+              <a:defRPr sz="1500"/>
             </a:lvl5pPr>
             <a:lvl6pPr>
-              <a:defRPr sz="2000"/>
+              <a:defRPr sz="1500"/>
             </a:lvl6pPr>
             <a:lvl7pPr>
-              <a:defRPr sz="2000"/>
+              <a:defRPr sz="1500"/>
             </a:lvl7pPr>
             <a:lvl8pPr>
-              <a:defRPr sz="2000"/>
+              <a:defRPr sz="1500"/>
             </a:lvl8pPr>
             <a:lvl9pPr>
-              <a:defRPr sz="2000"/>
+              <a:defRPr sz="1500"/>
             </a:lvl9pPr>
           </a:lstStyle>
           <a:p>
             <a:pPr lvl="0"/>
             <a:r>
-              <a:rPr lang="en-US" smtClean="0"/>
+              <a:rPr lang="en-US"/>
               <a:t>Click to edit Master text styles</a:t>
             </a:r>
           </a:p>
           <a:p>
             <a:pPr lvl="1"/>
             <a:r>
-              <a:rPr lang="en-US" smtClean="0"/>
+              <a:rPr lang="en-US"/>
               <a:t>Second level</a:t>
             </a:r>
           </a:p>
           <a:p>
             <a:pPr lvl="2"/>
             <a:r>
-              <a:rPr lang="en-US" smtClean="0"/>
+              <a:rPr lang="en-US"/>
               <a:t>Third level</a:t>
             </a:r>
           </a:p>
           <a:p>
             <a:pPr lvl="3"/>
             <a:r>
-              <a:rPr lang="en-US" smtClean="0"/>
+              <a:rPr lang="en-US"/>
               <a:t>Fourth level</a:t>
             </a:r>
           </a:p>
           <a:p>
             <a:pPr lvl="4"/>
             <a:r>
-              <a:rPr lang="en-US" smtClean="0"/>
+              <a:rPr lang="en-US"/>
               <a:t>Fifth level</a:t>
             </a:r>
-            <a:endParaRPr lang="en-US"/>
           </a:p>
         </p:txBody>
       </p:sp>
@@ -2641,8 +2624,8 @@
         </p:nvSpPr>
         <p:spPr>
           <a:xfrm>
-            <a:off x="457200" y="1435100"/>
-            <a:ext cx="3008313" cy="4691063"/>
+            <a:off x="457201" y="1076326"/>
+            <a:ext cx="3008313" cy="3518297"/>
           </a:xfrm>
         </p:spPr>
         <p:txBody>
@@ -2650,45 +2633,45 @@
           <a:lstStyle>
             <a:lvl1pPr marL="0" indent="0">
               <a:buNone/>
-              <a:defRPr sz="1400"/>
+              <a:defRPr sz="1050"/>
             </a:lvl1pPr>
-            <a:lvl2pPr marL="457200" indent="0">
-              <a:buNone/>
-              <a:defRPr sz="1200"/>
+            <a:lvl2pPr marL="342900" indent="0">
+              <a:buNone/>
+              <a:defRPr sz="900"/>
             </a:lvl2pPr>
-            <a:lvl3pPr marL="914400" indent="0">
-              <a:buNone/>
-              <a:defRPr sz="1000"/>
+            <a:lvl3pPr marL="685800" indent="0">
+              <a:buNone/>
+              <a:defRPr sz="750"/>
             </a:lvl3pPr>
-            <a:lvl4pPr marL="1371600" indent="0">
-              <a:buNone/>
-              <a:defRPr sz="900"/>
+            <a:lvl4pPr marL="1028700" indent="0">
+              <a:buNone/>
+              <a:defRPr sz="675"/>
             </a:lvl4pPr>
-            <a:lvl5pPr marL="1828800" indent="0">
-              <a:buNone/>
-              <a:defRPr sz="900"/>
+            <a:lvl5pPr marL="1371600" indent="0">
+              <a:buNone/>
+              <a:defRPr sz="675"/>
             </a:lvl5pPr>
-            <a:lvl6pPr marL="2286000" indent="0">
-              <a:buNone/>
-              <a:defRPr sz="900"/>
+            <a:lvl6pPr marL="1714500" indent="0">
+              <a:buNone/>
+              <a:defRPr sz="675"/>
             </a:lvl6pPr>
-            <a:lvl7pPr marL="2743200" indent="0">
-              <a:buNone/>
-              <a:defRPr sz="900"/>
+            <a:lvl7pPr marL="2057400" indent="0">
+              <a:buNone/>
+              <a:defRPr sz="675"/>
             </a:lvl7pPr>
-            <a:lvl8pPr marL="3200400" indent="0">
-              <a:buNone/>
-              <a:defRPr sz="900"/>
+            <a:lvl8pPr marL="2400300" indent="0">
+              <a:buNone/>
+              <a:defRPr sz="675"/>
             </a:lvl8pPr>
-            <a:lvl9pPr marL="3657600" indent="0">
-              <a:buNone/>
-              <a:defRPr sz="900"/>
+            <a:lvl9pPr marL="2743200" indent="0">
+              <a:buNone/>
+              <a:defRPr sz="675"/>
             </a:lvl9pPr>
           </a:lstStyle>
           <a:p>
             <a:pPr lvl="0"/>
             <a:r>
-              <a:rPr lang="en-US" smtClean="0"/>
+              <a:rPr lang="en-US"/>
               <a:t>Click to edit Master text styles</a:t>
             </a:r>
           </a:p>
@@ -2711,7 +2694,7 @@
           <a:p>
             <a:fld id="{241EB5C9-1307-BA42-ABA2-0BC069CD8E7F}" type="datetimeFigureOut">
               <a:rPr lang="en-US" smtClean="0"/>
-              <a:t>4/5/2019</a:t>
+              <a:t>1/2/22</a:t>
             </a:fld>
             <a:endParaRPr lang="en-US"/>
           </a:p>
@@ -2801,23 +2784,22 @@
         </p:nvSpPr>
         <p:spPr>
           <a:xfrm>
-            <a:off x="1792288" y="4800600"/>
-            <a:ext cx="5486400" cy="566738"/>
+            <a:off x="1792288" y="3600450"/>
+            <a:ext cx="5486400" cy="425054"/>
           </a:xfrm>
         </p:spPr>
         <p:txBody>
           <a:bodyPr anchor="b"/>
           <a:lstStyle>
             <a:lvl1pPr algn="l">
-              <a:defRPr sz="2000" b="1"/>
+              <a:defRPr sz="1500" b="1"/>
             </a:lvl1pPr>
           </a:lstStyle>
           <a:p>
             <a:r>
-              <a:rPr lang="en-US" smtClean="0"/>
+              <a:rPr lang="en-US"/>
               <a:t>Click to edit Master title style</a:t>
             </a:r>
-            <a:endParaRPr lang="en-US"/>
           </a:p>
         </p:txBody>
       </p:sp>
@@ -2833,8 +2815,8 @@
         </p:nvSpPr>
         <p:spPr>
           <a:xfrm>
-            <a:off x="1792288" y="612775"/>
-            <a:ext cx="5486400" cy="4114800"/>
+            <a:off x="1792288" y="459581"/>
+            <a:ext cx="5486400" cy="3086100"/>
           </a:xfrm>
         </p:spPr>
         <p:txBody>
@@ -2842,39 +2824,39 @@
           <a:lstStyle>
             <a:lvl1pPr marL="0" indent="0">
               <a:buNone/>
-              <a:defRPr sz="3200"/>
+              <a:defRPr sz="2400"/>
             </a:lvl1pPr>
-            <a:lvl2pPr marL="457200" indent="0">
-              <a:buNone/>
-              <a:defRPr sz="2800"/>
+            <a:lvl2pPr marL="342900" indent="0">
+              <a:buNone/>
+              <a:defRPr sz="2100"/>
             </a:lvl2pPr>
-            <a:lvl3pPr marL="914400" indent="0">
-              <a:buNone/>
-              <a:defRPr sz="2400"/>
+            <a:lvl3pPr marL="685800" indent="0">
+              <a:buNone/>
+              <a:defRPr sz="1800"/>
             </a:lvl3pPr>
-            <a:lvl4pPr marL="1371600" indent="0">
-              <a:buNone/>
-              <a:defRPr sz="2000"/>
+            <a:lvl4pPr marL="1028700" indent="0">
+              <a:buNone/>
+              <a:defRPr sz="1500"/>
             </a:lvl4pPr>
-            <a:lvl5pPr marL="1828800" indent="0">
-              <a:buNone/>
-              <a:defRPr sz="2000"/>
+            <a:lvl5pPr marL="1371600" indent="0">
+              <a:buNone/>
+              <a:defRPr sz="1500"/>
             </a:lvl5pPr>
-            <a:lvl6pPr marL="2286000" indent="0">
-              <a:buNone/>
-              <a:defRPr sz="2000"/>
+            <a:lvl6pPr marL="1714500" indent="0">
+              <a:buNone/>
+              <a:defRPr sz="1500"/>
             </a:lvl6pPr>
-            <a:lvl7pPr marL="2743200" indent="0">
-              <a:buNone/>
-              <a:defRPr sz="2000"/>
+            <a:lvl7pPr marL="2057400" indent="0">
+              <a:buNone/>
+              <a:defRPr sz="1500"/>
             </a:lvl7pPr>
-            <a:lvl8pPr marL="3200400" indent="0">
-              <a:buNone/>
-              <a:defRPr sz="2000"/>
+            <a:lvl8pPr marL="2400300" indent="0">
+              <a:buNone/>
+              <a:defRPr sz="1500"/>
             </a:lvl8pPr>
-            <a:lvl9pPr marL="3657600" indent="0">
-              <a:buNone/>
-              <a:defRPr sz="2000"/>
+            <a:lvl9pPr marL="2743200" indent="0">
+              <a:buNone/>
+              <a:defRPr sz="1500"/>
             </a:lvl9pPr>
           </a:lstStyle>
           <a:p>
@@ -2894,8 +2876,8 @@
         </p:nvSpPr>
         <p:spPr>
           <a:xfrm>
-            <a:off x="1792288" y="5367338"/>
-            <a:ext cx="5486400" cy="804862"/>
+            <a:off x="1792288" y="4025503"/>
+            <a:ext cx="5486400" cy="603647"/>
           </a:xfrm>
         </p:spPr>
         <p:txBody>
@@ -2903,45 +2885,45 @@
           <a:lstStyle>
             <a:lvl1pPr marL="0" indent="0">
               <a:buNone/>
-              <a:defRPr sz="1400"/>
+              <a:defRPr sz="1050"/>
             </a:lvl1pPr>
-            <a:lvl2pPr marL="457200" indent="0">
-              <a:buNone/>
-              <a:defRPr sz="1200"/>
+            <a:lvl2pPr marL="342900" indent="0">
+              <a:buNone/>
+              <a:defRPr sz="900"/>
             </a:lvl2pPr>
-            <a:lvl3pPr marL="914400" indent="0">
-              <a:buNone/>
-              <a:defRPr sz="1000"/>
+            <a:lvl3pPr marL="685800" indent="0">
+              <a:buNone/>
+              <a:defRPr sz="750"/>
             </a:lvl3pPr>
-            <a:lvl4pPr marL="1371600" indent="0">
-              <a:buNone/>
-              <a:defRPr sz="900"/>
+            <a:lvl4pPr marL="1028700" indent="0">
+              <a:buNone/>
+              <a:defRPr sz="675"/>
             </a:lvl4pPr>
-            <a:lvl5pPr marL="1828800" indent="0">
-              <a:buNone/>
-              <a:defRPr sz="900"/>
+            <a:lvl5pPr marL="1371600" indent="0">
+              <a:buNone/>
+              <a:defRPr sz="675"/>
             </a:lvl5pPr>
-            <a:lvl6pPr marL="2286000" indent="0">
-              <a:buNone/>
-              <a:defRPr sz="900"/>
+            <a:lvl6pPr marL="1714500" indent="0">
+              <a:buNone/>
+              <a:defRPr sz="675"/>
             </a:lvl6pPr>
-            <a:lvl7pPr marL="2743200" indent="0">
-              <a:buNone/>
-              <a:defRPr sz="900"/>
+            <a:lvl7pPr marL="2057400" indent="0">
+              <a:buNone/>
+              <a:defRPr sz="675"/>
             </a:lvl7pPr>
-            <a:lvl8pPr marL="3200400" indent="0">
-              <a:buNone/>
-              <a:defRPr sz="900"/>
+            <a:lvl8pPr marL="2400300" indent="0">
+              <a:buNone/>
+              <a:defRPr sz="675"/>
             </a:lvl8pPr>
-            <a:lvl9pPr marL="3657600" indent="0">
-              <a:buNone/>
-              <a:defRPr sz="900"/>
+            <a:lvl9pPr marL="2743200" indent="0">
+              <a:buNone/>
+              <a:defRPr sz="675"/>
             </a:lvl9pPr>
           </a:lstStyle>
           <a:p>
             <a:pPr lvl="0"/>
             <a:r>
-              <a:rPr lang="en-US" smtClean="0"/>
+              <a:rPr lang="en-US"/>
               <a:t>Click to edit Master text styles</a:t>
             </a:r>
           </a:p>
@@ -2964,7 +2946,7 @@
           <a:p>
             <a:fld id="{241EB5C9-1307-BA42-ABA2-0BC069CD8E7F}" type="datetimeFigureOut">
               <a:rPr lang="en-US" smtClean="0"/>
-              <a:t>4/5/2019</a:t>
+              <a:t>1/2/22</a:t>
             </a:fld>
             <a:endParaRPr lang="en-US"/>
           </a:p>
@@ -3773,7 +3755,7 @@
           <a:bodyPr/>
           <a:lstStyle/>
           <a:p>
-            <a:pPr lvl="0" marL="0" indent="0">
+            <a:pPr lvl="0" indent="0" marL="0">
               <a:buNone/>
             </a:pPr>
             <a:r>
@@ -3803,7 +3785,7 @@
           <a:bodyPr/>
           <a:lstStyle/>
           <a:p>
-            <a:pPr lvl="0" marL="0" indent="0">
+            <a:pPr lvl="0" indent="0" marL="0">
               <a:buNone/>
             </a:pPr>
             <a:br/>
@@ -3848,7 +3830,7 @@
           <a:bodyPr/>
           <a:lstStyle/>
           <a:p>
-            <a:pPr lvl="0" marL="0" indent="0">
+            <a:pPr lvl="0" indent="0" marL="0">
               <a:buNone/>
             </a:pPr>
             <a:r>
@@ -3873,7 +3855,7 @@
           <a:bodyPr/>
           <a:lstStyle/>
           <a:p>
-            <a:pPr lvl="0" marL="0" indent="0">
+            <a:pPr lvl="0" indent="0" marL="0">
               <a:buNone/>
             </a:pPr>
             <a:r>
@@ -3920,7 +3902,7 @@
           <a:bodyPr/>
           <a:lstStyle/>
           <a:p>
-            <a:pPr lvl="0" marL="0" indent="0">
+            <a:pPr lvl="0" indent="0" marL="0">
               <a:buNone/>
             </a:pPr>
             <a:r>
@@ -3945,7 +3927,7 @@
           <a:bodyPr/>
           <a:lstStyle/>
           <a:p>
-            <a:pPr lvl="0" marL="0" indent="0">
+            <a:pPr lvl="0" indent="0" marL="0">
               <a:buNone/>
             </a:pPr>
             <a:r>
@@ -3970,7 +3952,7 @@
           <a:bodyPr/>
           <a:lstStyle/>
           <a:p>
-            <a:pPr lvl="0" marL="0" indent="0">
+            <a:pPr lvl="0" indent="0" marL="0">
               <a:buNone/>
             </a:pPr>
             <a:r>
@@ -4014,15 +3996,15 @@
         </p:nvSpPr>
         <p:spPr>
           <a:xfrm>
-            <a:off x="457200" y="273050"/>
-            <a:ext cx="3008313" cy="1162050"/>
+            <a:off x="457201" y="204787"/>
+            <a:ext cx="3008313" cy="871538"/>
           </a:xfrm>
         </p:spPr>
         <p:txBody>
           <a:bodyPr/>
           <a:lstStyle/>
           <a:p>
-            <a:pPr lvl="0" marL="0" indent="0">
+            <a:pPr lvl="0" indent="0" marL="0">
               <a:buNone/>
             </a:pPr>
             <a:r>
@@ -4047,7 +4029,7 @@
           <a:bodyPr/>
           <a:lstStyle/>
           <a:p>
-            <a:pPr lvl="0" marL="0" indent="0">
+            <a:pPr lvl="0" indent="0" marL="0">
               <a:buNone/>
             </a:pPr>
             <a:r>
@@ -4073,8 +4055,8 @@
         </p:blipFill>
         <p:spPr bwMode="auto">
           <a:xfrm>
-            <a:off x="3568700" y="381000"/>
-            <a:ext cx="5105400" cy="5105400"/>
+            <a:off x="4191000" y="203200"/>
+            <a:ext cx="3873500" cy="3873500"/>
           </a:xfrm>
           <a:prstGeom prst="rect">
             <a:avLst/>
@@ -4095,7 +4077,7 @@
         </p:nvSpPr>
         <p:spPr>
           <a:xfrm>
-            <a:off x="3568700" y="5600700"/>
+            <a:off x="3568700" y="4076700"/>
             <a:ext cx="5105400" cy="508000"/>
           </a:xfrm>
           <a:prstGeom prst="rect">
@@ -4107,7 +4089,7 @@
           <a:bodyPr/>
           <a:lstStyle/>
           <a:p>
-            <a:pPr lvl="0" marL="0" indent="0" algn="ctr">
+            <a:pPr lvl="0" indent="0" marL="0" algn="ctr">
               <a:buNone/>
             </a:pPr>
             <a:r>
@@ -4154,7 +4136,7 @@
           <a:bodyPr/>
           <a:lstStyle/>
           <a:p>
-            <a:pPr lvl="0" marL="0" indent="0">
+            <a:pPr lvl="0" indent="0" marL="0">
               <a:buNone/>
             </a:pPr>
             <a:r>
@@ -4179,7 +4161,7 @@
           <a:bodyPr/>
           <a:lstStyle/>
           <a:p>
-            <a:pPr lvl="0" marL="0" indent="0">
+            <a:pPr lvl="0" indent="0" marL="0">
               <a:buNone/>
             </a:pPr>
             <a:r>
@@ -4205,8 +4187,8 @@
         </p:blipFill>
         <p:spPr bwMode="auto">
           <a:xfrm>
-            <a:off x="762000" y="2171700"/>
-            <a:ext cx="3441700" cy="3441700"/>
+            <a:off x="1244600" y="1625600"/>
+            <a:ext cx="2451100" cy="2451100"/>
           </a:xfrm>
           <a:prstGeom prst="rect">
             <a:avLst/>
@@ -4227,7 +4209,7 @@
         </p:nvSpPr>
         <p:spPr>
           <a:xfrm>
-            <a:off x="457200" y="5613400"/>
+            <a:off x="457200" y="4076700"/>
             <a:ext cx="4038600" cy="508000"/>
           </a:xfrm>
           <a:prstGeom prst="rect">
@@ -4239,7 +4221,7 @@
           <a:bodyPr/>
           <a:lstStyle/>
           <a:p>
-            <a:pPr lvl="0" marL="0" indent="0" algn="ctr">
+            <a:pPr lvl="0" indent="0" marL="0" algn="ctr">
               <a:buNone/>
             </a:pPr>
             <a:r>
@@ -4264,7 +4246,7 @@
           <a:bodyPr/>
           <a:lstStyle/>
           <a:p>
-            <a:pPr lvl="0" marL="0" indent="0">
+            <a:pPr lvl="0" indent="0" marL="0">
               <a:buNone/>
             </a:pPr>
             <a:r>
@@ -4308,15 +4290,15 @@
         </p:nvSpPr>
         <p:spPr>
           <a:xfrm>
-            <a:off x="722313" y="4406900"/>
-            <a:ext cx="7772400" cy="1362075"/>
+            <a:off x="722313" y="3305176"/>
+            <a:ext cx="7772400" cy="1021556"/>
           </a:xfrm>
         </p:spPr>
         <p:txBody>
           <a:bodyPr/>
           <a:lstStyle/>
           <a:p>
-            <a:pPr lvl="0" marL="0" indent="0">
+            <a:pPr lvl="0" indent="0" marL="0">
               <a:buNone/>
             </a:pPr>
             <a:r>
